--- a/SparkClass6.pptx
+++ b/SparkClass6.pptx
@@ -112,6 +112,11 @@
       </a:defRPr>
     </a:lvl9pPr>
   </p:defaultTextStyle>
+  <p:extLst>
+    <p:ext uri="{EFAFB233-063F-42B5-8137-9DF3F51BA10A}">
+      <p15:sldGuideLst xmlns:p15="http://schemas.microsoft.com/office/powerpoint/2012/main"/>
+    </p:ext>
+  </p:extLst>
 </p:presentation>
 </file>
 
@@ -294,7 +299,7 @@
           <a:p>
             <a:fld id="{8B8AA2F1-4702-4162-A394-7022EDB1D34C}" type="datetimeFigureOut">
               <a:rPr lang="en-US" smtClean="0"/>
-              <a:t>2023-09-04</a:t>
+              <a:t>2023-10-04</a:t>
             </a:fld>
             <a:endParaRPr lang="en-US"/>
           </a:p>
@@ -462,7 +467,7 @@
           <a:p>
             <a:fld id="{8B8AA2F1-4702-4162-A394-7022EDB1D34C}" type="datetimeFigureOut">
               <a:rPr lang="en-US" smtClean="0"/>
-              <a:t>2023-09-04</a:t>
+              <a:t>2023-10-04</a:t>
             </a:fld>
             <a:endParaRPr lang="en-US"/>
           </a:p>
@@ -640,7 +645,7 @@
           <a:p>
             <a:fld id="{8B8AA2F1-4702-4162-A394-7022EDB1D34C}" type="datetimeFigureOut">
               <a:rPr lang="en-US" smtClean="0"/>
-              <a:t>2023-09-04</a:t>
+              <a:t>2023-10-04</a:t>
             </a:fld>
             <a:endParaRPr lang="en-US"/>
           </a:p>
@@ -808,7 +813,7 @@
           <a:p>
             <a:fld id="{8B8AA2F1-4702-4162-A394-7022EDB1D34C}" type="datetimeFigureOut">
               <a:rPr lang="en-US" smtClean="0"/>
-              <a:t>2023-09-04</a:t>
+              <a:t>2023-10-04</a:t>
             </a:fld>
             <a:endParaRPr lang="en-US"/>
           </a:p>
@@ -1053,7 +1058,7 @@
           <a:p>
             <a:fld id="{8B8AA2F1-4702-4162-A394-7022EDB1D34C}" type="datetimeFigureOut">
               <a:rPr lang="en-US" smtClean="0"/>
-              <a:t>2023-09-04</a:t>
+              <a:t>2023-10-04</a:t>
             </a:fld>
             <a:endParaRPr lang="en-US"/>
           </a:p>
@@ -1338,7 +1343,7 @@
           <a:p>
             <a:fld id="{8B8AA2F1-4702-4162-A394-7022EDB1D34C}" type="datetimeFigureOut">
               <a:rPr lang="en-US" smtClean="0"/>
-              <a:t>2023-09-04</a:t>
+              <a:t>2023-10-04</a:t>
             </a:fld>
             <a:endParaRPr lang="en-US"/>
           </a:p>
@@ -1757,7 +1762,7 @@
           <a:p>
             <a:fld id="{8B8AA2F1-4702-4162-A394-7022EDB1D34C}" type="datetimeFigureOut">
               <a:rPr lang="en-US" smtClean="0"/>
-              <a:t>2023-09-04</a:t>
+              <a:t>2023-10-04</a:t>
             </a:fld>
             <a:endParaRPr lang="en-US"/>
           </a:p>
@@ -1874,7 +1879,7 @@
           <a:p>
             <a:fld id="{8B8AA2F1-4702-4162-A394-7022EDB1D34C}" type="datetimeFigureOut">
               <a:rPr lang="en-US" smtClean="0"/>
-              <a:t>2023-09-04</a:t>
+              <a:t>2023-10-04</a:t>
             </a:fld>
             <a:endParaRPr lang="en-US"/>
           </a:p>
@@ -1969,7 +1974,7 @@
           <a:p>
             <a:fld id="{8B8AA2F1-4702-4162-A394-7022EDB1D34C}" type="datetimeFigureOut">
               <a:rPr lang="en-US" smtClean="0"/>
-              <a:t>2023-09-04</a:t>
+              <a:t>2023-10-04</a:t>
             </a:fld>
             <a:endParaRPr lang="en-US"/>
           </a:p>
@@ -2244,7 +2249,7 @@
           <a:p>
             <a:fld id="{8B8AA2F1-4702-4162-A394-7022EDB1D34C}" type="datetimeFigureOut">
               <a:rPr lang="en-US" smtClean="0"/>
-              <a:t>2023-09-04</a:t>
+              <a:t>2023-10-04</a:t>
             </a:fld>
             <a:endParaRPr lang="en-US"/>
           </a:p>
@@ -2499,7 +2504,7 @@
           <a:p>
             <a:fld id="{8B8AA2F1-4702-4162-A394-7022EDB1D34C}" type="datetimeFigureOut">
               <a:rPr lang="en-US" smtClean="0"/>
-              <a:t>2023-09-04</a:t>
+              <a:t>2023-10-04</a:t>
             </a:fld>
             <a:endParaRPr lang="en-US"/>
           </a:p>
@@ -2710,7 +2715,7 @@
           <a:p>
             <a:fld id="{8B8AA2F1-4702-4162-A394-7022EDB1D34C}" type="datetimeFigureOut">
               <a:rPr lang="en-US" smtClean="0"/>
-              <a:t>2023-09-04</a:t>
+              <a:t>2023-10-04</a:t>
             </a:fld>
             <a:endParaRPr lang="en-US"/>
           </a:p>
@@ -4241,12 +4246,14 @@
           </a:xfrm>
         </p:spPr>
         <p:txBody>
-          <a:bodyPr/>
+          <a:bodyPr>
+            <a:normAutofit fontScale="92500" lnSpcReduction="20000"/>
+          </a:bodyPr>
           <a:lstStyle/>
           <a:p>
             <a:r>
               <a:rPr lang="en-US" dirty="0"/>
-              <a:t>If you put in the work and try your best and are still struggling and you fail a class or generally are getting “bad grades” and are needing to pay for a repeat of a class or loss of funding, the problem is mainly with the university – They are supposed to be helping you learn, not weed you out!</a:t>
+              <a:t>If you put in the work and try your best and are still struggling and you fail a class or generally are getting “bad grades” and are needing to pay for a repeat of a class or loss of funding, the problem is mainly with the university – They are supposed to be helping you learn, not weed you out!  If this happens and you consistently were asking for help and trying to do the work, you have a valid  reason to call out the university, as long as you are civil, you have a right to contend the issue because the point of college is to educate, not test people.</a:t>
             </a:r>
           </a:p>
           <a:p>
